--- a/CPP(2~12)/04_CPP_배열.pptx
+++ b/CPP(2~12)/04_CPP_배열.pptx
@@ -228,7 +228,7 @@
           <a:p>
             <a:fld id="{2229C11E-4EF0-425E-89BA-56B170901842}" type="datetimeFigureOut">
               <a:rPr lang="ko-KR" altLang="en-US" smtClean="0"/>
-              <a:t>2023-09-04</a:t>
+              <a:t>2024-01-22</a:t>
             </a:fld>
             <a:endParaRPr lang="ko-KR" altLang="en-US"/>
           </a:p>
@@ -1662,7 +1662,7 @@
           <a:p>
             <a:fld id="{9C6F2426-F011-4048-96E6-328581C59A1B}" type="datetimeFigureOut">
               <a:rPr lang="ko-KR" altLang="en-US" smtClean="0"/>
-              <a:t>2023-09-04</a:t>
+              <a:t>2024-01-22</a:t>
             </a:fld>
             <a:endParaRPr lang="ko-KR" altLang="en-US"/>
           </a:p>
@@ -1860,7 +1860,7 @@
           <a:p>
             <a:fld id="{9C6F2426-F011-4048-96E6-328581C59A1B}" type="datetimeFigureOut">
               <a:rPr lang="ko-KR" altLang="en-US" smtClean="0"/>
-              <a:t>2023-09-04</a:t>
+              <a:t>2024-01-22</a:t>
             </a:fld>
             <a:endParaRPr lang="ko-KR" altLang="en-US"/>
           </a:p>
@@ -2068,7 +2068,7 @@
           <a:p>
             <a:fld id="{9C6F2426-F011-4048-96E6-328581C59A1B}" type="datetimeFigureOut">
               <a:rPr lang="ko-KR" altLang="en-US" smtClean="0"/>
-              <a:t>2023-09-04</a:t>
+              <a:t>2024-01-22</a:t>
             </a:fld>
             <a:endParaRPr lang="ko-KR" altLang="en-US"/>
           </a:p>
@@ -2266,7 +2266,7 @@
           <a:p>
             <a:fld id="{9C6F2426-F011-4048-96E6-328581C59A1B}" type="datetimeFigureOut">
               <a:rPr lang="ko-KR" altLang="en-US" smtClean="0"/>
-              <a:t>2023-09-04</a:t>
+              <a:t>2024-01-22</a:t>
             </a:fld>
             <a:endParaRPr lang="ko-KR" altLang="en-US"/>
           </a:p>
@@ -2541,7 +2541,7 @@
           <a:p>
             <a:fld id="{9C6F2426-F011-4048-96E6-328581C59A1B}" type="datetimeFigureOut">
               <a:rPr lang="ko-KR" altLang="en-US" smtClean="0"/>
-              <a:t>2023-09-04</a:t>
+              <a:t>2024-01-22</a:t>
             </a:fld>
             <a:endParaRPr lang="ko-KR" altLang="en-US"/>
           </a:p>
@@ -2806,7 +2806,7 @@
           <a:p>
             <a:fld id="{9C6F2426-F011-4048-96E6-328581C59A1B}" type="datetimeFigureOut">
               <a:rPr lang="ko-KR" altLang="en-US" smtClean="0"/>
-              <a:t>2023-09-04</a:t>
+              <a:t>2024-01-22</a:t>
             </a:fld>
             <a:endParaRPr lang="ko-KR" altLang="en-US"/>
           </a:p>
@@ -3218,7 +3218,7 @@
           <a:p>
             <a:fld id="{9C6F2426-F011-4048-96E6-328581C59A1B}" type="datetimeFigureOut">
               <a:rPr lang="ko-KR" altLang="en-US" smtClean="0"/>
-              <a:t>2023-09-04</a:t>
+              <a:t>2024-01-22</a:t>
             </a:fld>
             <a:endParaRPr lang="ko-KR" altLang="en-US"/>
           </a:p>
@@ -3359,7 +3359,7 @@
           <a:p>
             <a:fld id="{9C6F2426-F011-4048-96E6-328581C59A1B}" type="datetimeFigureOut">
               <a:rPr lang="ko-KR" altLang="en-US" smtClean="0"/>
-              <a:t>2023-09-04</a:t>
+              <a:t>2024-01-22</a:t>
             </a:fld>
             <a:endParaRPr lang="ko-KR" altLang="en-US"/>
           </a:p>
@@ -3472,7 +3472,7 @@
           <a:p>
             <a:fld id="{9C6F2426-F011-4048-96E6-328581C59A1B}" type="datetimeFigureOut">
               <a:rPr lang="ko-KR" altLang="en-US" smtClean="0"/>
-              <a:t>2023-09-04</a:t>
+              <a:t>2024-01-22</a:t>
             </a:fld>
             <a:endParaRPr lang="ko-KR" altLang="en-US"/>
           </a:p>
@@ -3783,7 +3783,7 @@
           <a:p>
             <a:fld id="{9C6F2426-F011-4048-96E6-328581C59A1B}" type="datetimeFigureOut">
               <a:rPr lang="ko-KR" altLang="en-US" smtClean="0"/>
-              <a:t>2023-09-04</a:t>
+              <a:t>2024-01-22</a:t>
             </a:fld>
             <a:endParaRPr lang="ko-KR" altLang="en-US"/>
           </a:p>
@@ -4071,7 +4071,7 @@
           <a:p>
             <a:fld id="{9C6F2426-F011-4048-96E6-328581C59A1B}" type="datetimeFigureOut">
               <a:rPr lang="ko-KR" altLang="en-US" smtClean="0"/>
-              <a:t>2023-09-04</a:t>
+              <a:t>2024-01-22</a:t>
             </a:fld>
             <a:endParaRPr lang="ko-KR" altLang="en-US"/>
           </a:p>
@@ -4312,7 +4312,7 @@
           <a:p>
             <a:fld id="{9C6F2426-F011-4048-96E6-328581C59A1B}" type="datetimeFigureOut">
               <a:rPr lang="ko-KR" altLang="en-US" smtClean="0"/>
-              <a:t>2023-09-04</a:t>
+              <a:t>2024-01-22</a:t>
             </a:fld>
             <a:endParaRPr lang="ko-KR" altLang="en-US"/>
           </a:p>
@@ -4766,17 +4766,14 @@
               <a:rPr lang="en-US" altLang="ko-KR" b="1" dirty="0">
                 <a:latin typeface="Arial Rounded MT Bold" panose="020F0704030504030204" pitchFamily="34" charset="0"/>
               </a:rPr>
-              <a:t>3</a:t>
-            </a:r>
-            <a:r>
-              <a:rPr lang="ko-KR" altLang="en-US" b="1">
+              <a:t>4</a:t>
+            </a:r>
+            <a:r>
+              <a:rPr lang="ko-KR" altLang="en-US" b="1" dirty="0">
                 <a:latin typeface="Arial Rounded MT Bold" panose="020F0704030504030204" pitchFamily="34" charset="0"/>
               </a:rPr>
               <a:t>기</a:t>
             </a:r>
-            <a:endParaRPr lang="ko-KR" altLang="en-US" b="1" dirty="0">
-              <a:latin typeface="Arial Rounded MT Bold" panose="020F0704030504030204" pitchFamily="34" charset="0"/>
-            </a:endParaRPr>
           </a:p>
         </p:txBody>
       </p:sp>
